--- a/PPT/python5.pptx
+++ b/PPT/python5.pptx
@@ -151,7 +151,7 @@
 <file path=ppt/revisionInfo.xml><?xml version="1.0" encoding="utf-8"?>
 <p1510:revInfo xmlns:a="http://schemas.openxmlformats.org/drawingml/2006/main" xmlns:r="http://schemas.openxmlformats.org/officeDocument/2006/relationships" xmlns:p1510="http://schemas.microsoft.com/office/powerpoint/2015/10/main">
   <p1510:revLst>
-    <p1510:client id="{A4B67D7D-BC74-4496-B91F-814518757E7E}" v="1316" dt="2023-05-08T01:17:43.413"/>
+    <p1510:client id="{A4B67D7D-BC74-4496-B91F-814518757E7E}" v="1327" dt="2023-05-27T02:40:08.731"/>
   </p1510:revLst>
 </p1510:revInfo>
 </file>
@@ -161,7 +161,7 @@
   <pc:docChgLst>
     <pc:chgData name="Scruel Tao" userId="5ea5c98d59b44d4b" providerId="LiveId" clId="{A4B67D7D-BC74-4496-B91F-814518757E7E}"/>
     <pc:docChg chg="undo redo custSel addSld delSld modSld sldOrd modMainMaster">
-      <pc:chgData name="Scruel Tao" userId="5ea5c98d59b44d4b" providerId="LiveId" clId="{A4B67D7D-BC74-4496-B91F-814518757E7E}" dt="2023-05-08T01:18:07.472" v="5401" actId="20577"/>
+      <pc:chgData name="Scruel Tao" userId="5ea5c98d59b44d4b" providerId="LiveId" clId="{A4B67D7D-BC74-4496-B91F-814518757E7E}" dt="2023-05-27T02:40:08.731" v="5414"/>
       <pc:docMkLst>
         <pc:docMk/>
       </pc:docMkLst>
@@ -196,11 +196,19 @@
         </pc:sldMkLst>
       </pc:sldChg>
       <pc:sldChg chg="addSp delSp modSp mod modTransition">
-        <pc:chgData name="Scruel Tao" userId="5ea5c98d59b44d4b" providerId="LiveId" clId="{A4B67D7D-BC74-4496-B91F-814518757E7E}" dt="2023-05-05T14:59:42.841" v="4763"/>
+        <pc:chgData name="Scruel Tao" userId="5ea5c98d59b44d4b" providerId="LiveId" clId="{A4B67D7D-BC74-4496-B91F-814518757E7E}" dt="2023-05-16T03:56:28.323" v="5402" actId="478"/>
         <pc:sldMkLst>
           <pc:docMk/>
           <pc:sldMk cId="0" sldId="260"/>
         </pc:sldMkLst>
+        <pc:spChg chg="del">
+          <ac:chgData name="Scruel Tao" userId="5ea5c98d59b44d4b" providerId="LiveId" clId="{A4B67D7D-BC74-4496-B91F-814518757E7E}" dt="2023-05-16T03:56:28.323" v="5402" actId="478"/>
+          <ac:spMkLst>
+            <pc:docMk/>
+            <pc:sldMk cId="0" sldId="260"/>
+            <ac:spMk id="2" creationId="{51B8E4C0-E15B-4BD0-7B5B-A44A3D5B0C34}"/>
+          </ac:spMkLst>
+        </pc:spChg>
         <pc:spChg chg="del">
           <ac:chgData name="Scruel Tao" userId="5ea5c98d59b44d4b" providerId="LiveId" clId="{A4B67D7D-BC74-4496-B91F-814518757E7E}" dt="2023-05-03T00:08:03.807" v="4357" actId="478"/>
           <ac:spMkLst>
@@ -420,7 +428,7 @@
         </pc:spChg>
       </pc:sldChg>
       <pc:sldChg chg="modSp add del mod modTransition modAnim">
-        <pc:chgData name="Scruel Tao" userId="5ea5c98d59b44d4b" providerId="LiveId" clId="{A4B67D7D-BC74-4496-B91F-814518757E7E}" dt="2023-05-05T14:59:42.841" v="4763"/>
+        <pc:chgData name="Scruel Tao" userId="5ea5c98d59b44d4b" providerId="LiveId" clId="{A4B67D7D-BC74-4496-B91F-814518757E7E}" dt="2023-05-27T02:40:08.731" v="5414"/>
         <pc:sldMkLst>
           <pc:docMk/>
           <pc:sldMk cId="3963807838" sldId="285"/>
@@ -442,7 +450,7 @@
           </ac:spMkLst>
         </pc:spChg>
         <pc:spChg chg="mod">
-          <ac:chgData name="Scruel Tao" userId="5ea5c98d59b44d4b" providerId="LiveId" clId="{A4B67D7D-BC74-4496-B91F-814518757E7E}" dt="2023-04-29T18:17:49.102" v="3294" actId="1038"/>
+          <ac:chgData name="Scruel Tao" userId="5ea5c98d59b44d4b" providerId="LiveId" clId="{A4B67D7D-BC74-4496-B91F-814518757E7E}" dt="2023-05-27T02:40:08.731" v="5414"/>
           <ac:spMkLst>
             <pc:docMk/>
             <pc:sldMk cId="3963807838" sldId="285"/>
@@ -1256,7 +1264,7 @@
         </pc:spChg>
       </pc:sldChg>
       <pc:sldChg chg="modSp add mod modTransition modAnim">
-        <pc:chgData name="Scruel Tao" userId="5ea5c98d59b44d4b" providerId="LiveId" clId="{A4B67D7D-BC74-4496-B91F-814518757E7E}" dt="2023-05-06T03:10:44.351" v="5065" actId="13926"/>
+        <pc:chgData name="Scruel Tao" userId="5ea5c98d59b44d4b" providerId="LiveId" clId="{A4B67D7D-BC74-4496-B91F-814518757E7E}" dt="2023-05-27T02:40:01.896" v="5410" actId="20577"/>
         <pc:sldMkLst>
           <pc:docMk/>
           <pc:sldMk cId="3708578349" sldId="301"/>
@@ -1267,6 +1275,14 @@
             <pc:docMk/>
             <pc:sldMk cId="3708578349" sldId="301"/>
             <ac:spMk id="3" creationId="{0E2FC508-1AFD-A957-52F2-FA1DEF2A9D27}"/>
+          </ac:spMkLst>
+        </pc:spChg>
+        <pc:spChg chg="mod">
+          <ac:chgData name="Scruel Tao" userId="5ea5c98d59b44d4b" providerId="LiveId" clId="{A4B67D7D-BC74-4496-B91F-814518757E7E}" dt="2023-05-27T02:40:01.896" v="5410" actId="20577"/>
+          <ac:spMkLst>
+            <pc:docMk/>
+            <pc:sldMk cId="3708578349" sldId="301"/>
+            <ac:spMk id="5" creationId="{B7A8CE03-6A77-60EC-056E-D7A0019640A3}"/>
           </ac:spMkLst>
         </pc:spChg>
         <pc:spChg chg="mod">
@@ -1911,7 +1927,7 @@
         </pc:spChg>
       </pc:sldChg>
       <pc:sldMasterChg chg="modTransition modSldLayout">
-        <pc:chgData name="Scruel Tao" userId="5ea5c98d59b44d4b" providerId="LiveId" clId="{A4B67D7D-BC74-4496-B91F-814518757E7E}" dt="2023-05-05T14:59:42.841" v="4763"/>
+        <pc:chgData name="Scruel Tao" userId="5ea5c98d59b44d4b" providerId="LiveId" clId="{A4B67D7D-BC74-4496-B91F-814518757E7E}" dt="2023-05-16T03:56:38.516" v="5403" actId="478"/>
         <pc:sldMasterMkLst>
           <pc:docMk/>
           <pc:sldMasterMk cId="1766057859" sldId="2147483648"/>
@@ -2040,13 +2056,22 @@
             <pc:sldLayoutMk cId="1976972956" sldId="2147483659"/>
           </pc:sldLayoutMkLst>
         </pc:sldLayoutChg>
-        <pc:sldLayoutChg chg="modTransition">
-          <pc:chgData name="Scruel Tao" userId="5ea5c98d59b44d4b" providerId="LiveId" clId="{A4B67D7D-BC74-4496-B91F-814518757E7E}" dt="2023-05-05T14:59:42.841" v="4763"/>
+        <pc:sldLayoutChg chg="delSp modTransition">
+          <pc:chgData name="Scruel Tao" userId="5ea5c98d59b44d4b" providerId="LiveId" clId="{A4B67D7D-BC74-4496-B91F-814518757E7E}" dt="2023-05-16T03:56:38.516" v="5403" actId="478"/>
           <pc:sldLayoutMkLst>
             <pc:docMk/>
             <pc:sldMasterMk cId="1766057859" sldId="2147483648"/>
             <pc:sldLayoutMk cId="1337634028" sldId="2147483660"/>
           </pc:sldLayoutMkLst>
+          <pc:spChg chg="del">
+            <ac:chgData name="Scruel Tao" userId="5ea5c98d59b44d4b" providerId="LiveId" clId="{A4B67D7D-BC74-4496-B91F-814518757E7E}" dt="2023-05-16T03:56:38.516" v="5403" actId="478"/>
+            <ac:spMkLst>
+              <pc:docMk/>
+              <pc:sldMasterMk cId="1766057859" sldId="2147483648"/>
+              <pc:sldLayoutMk cId="1337634028" sldId="2147483660"/>
+              <ac:spMk id="19472" creationId="{BD0BF484-93B1-9A87-952A-7D5E9B29C38D}"/>
+            </ac:spMkLst>
+          </pc:spChg>
         </pc:sldLayoutChg>
       </pc:sldMasterChg>
     </pc:docChg>
@@ -4444,7 +4469,7 @@
           <a:p>
             <a:fld id="{AC7E1972-C479-4420-A687-8FB83BA90DEB}" type="datetimeFigureOut">
               <a:rPr lang="zh-CN" altLang="en-US" smtClean="0"/>
-              <a:t>2023/5/8</a:t>
+              <a:t>2023/5/27</a:t>
             </a:fld>
             <a:endParaRPr lang="zh-CN" altLang="en-US"/>
           </a:p>
@@ -4621,7 +4646,7 @@
           <a:p>
             <a:fld id="{89B7AB8D-BCC0-43C6-B24C-055A25DB558F}" type="datetimeFigureOut">
               <a:rPr lang="zh-CN" altLang="en-US" smtClean="0"/>
-              <a:t>2023/5/8</a:t>
+              <a:t>2023/5/27</a:t>
             </a:fld>
             <a:endParaRPr lang="zh-CN" altLang="en-US"/>
           </a:p>
@@ -7644,7 +7669,7 @@
           <a:p>
             <a:fld id="{F721228B-0167-4061-A906-8575043315EE}" type="datetimeFigureOut">
               <a:rPr lang="zh-CN" altLang="en-US" smtClean="0"/>
-              <a:t>2023/5/8</a:t>
+              <a:t>2023/5/27</a:t>
             </a:fld>
             <a:endParaRPr lang="zh-CN" altLang="en-US"/>
           </a:p>
@@ -7854,7 +7879,7 @@
           <a:p>
             <a:fld id="{F721228B-0167-4061-A906-8575043315EE}" type="datetimeFigureOut">
               <a:rPr lang="zh-CN" altLang="en-US" smtClean="0"/>
-              <a:t>2023/5/8</a:t>
+              <a:t>2023/5/27</a:t>
             </a:fld>
             <a:endParaRPr lang="zh-CN" altLang="en-US"/>
           </a:p>
@@ -8074,7 +8099,7 @@
           <a:p>
             <a:fld id="{F721228B-0167-4061-A906-8575043315EE}" type="datetimeFigureOut">
               <a:rPr lang="zh-CN" altLang="en-US" smtClean="0"/>
-              <a:t>2023/5/8</a:t>
+              <a:t>2023/5/27</a:t>
             </a:fld>
             <a:endParaRPr lang="zh-CN" altLang="en-US"/>
           </a:p>
@@ -8176,58 +8201,6 @@
           <a:chExt cx="0" cy="0"/>
         </a:xfrm>
       </p:grpSpPr>
-      <p:sp>
-        <p:nvSpPr>
-          <p:cNvPr id="19472" name="Rectangle 16">
-            <a:extLst>
-              <a:ext uri="{FF2B5EF4-FFF2-40B4-BE49-F238E27FC236}">
-                <a16:creationId xmlns:a16="http://schemas.microsoft.com/office/drawing/2014/main" id="{BD0BF484-93B1-9A87-952A-7D5E9B29C38D}"/>
-              </a:ext>
-            </a:extLst>
-          </p:cNvPr>
-          <p:cNvSpPr>
-            <a:spLocks noGrp="1" noChangeArrowheads="1"/>
-          </p:cNvSpPr>
-          <p:nvPr>
-            <p:ph type="sldNum" sz="quarter" idx="4"/>
-          </p:nvPr>
-        </p:nvSpPr>
-        <p:spPr>
-          <a:xfrm>
-            <a:off x="11582400" y="6486525"/>
-            <a:ext cx="609600" cy="381000"/>
-          </a:xfrm>
-          <a:extLst>
-            <a:ext uri="{909E8E84-426E-40DD-AFC4-6F175D3DCCD1}">
-              <a14:hiddenFill xmlns:a14="http://schemas.microsoft.com/office/drawing/2010/main">
-                <a:solidFill>
-                  <a:schemeClr val="bg1"/>
-                </a:solidFill>
-              </a14:hiddenFill>
-            </a:ext>
-          </a:extLst>
-        </p:spPr>
-        <p:txBody>
-          <a:bodyPr/>
-          <a:lstStyle>
-            <a:lvl1pPr>
-              <a:defRPr>
-                <a:solidFill>
-                  <a:schemeClr val="bg1"/>
-                </a:solidFill>
-              </a:defRPr>
-            </a:lvl1pPr>
-          </a:lstStyle>
-          <a:p>
-            <a:fld id="{2715ED00-090C-4140-8C2E-A7E232A15EA9}" type="slidenum">
-              <a:rPr lang="en-US" altLang="zh-CN"/>
-              <a:pPr/>
-              <a:t>‹#›</a:t>
-            </a:fld>
-            <a:endParaRPr lang="en-US" altLang="zh-CN"/>
-          </a:p>
-        </p:txBody>
-      </p:sp>
       <p:sp>
         <p:nvSpPr>
           <p:cNvPr id="19483" name="Rectangle 27">
@@ -8623,7 +8596,7 @@
           <a:p>
             <a:fld id="{F721228B-0167-4061-A906-8575043315EE}" type="datetimeFigureOut">
               <a:rPr lang="zh-CN" altLang="en-US" smtClean="0"/>
-              <a:t>2023/5/8</a:t>
+              <a:t>2023/5/27</a:t>
             </a:fld>
             <a:endParaRPr lang="zh-CN" altLang="en-US"/>
           </a:p>
@@ -8959,7 +8932,7 @@
           <a:p>
             <a:fld id="{F721228B-0167-4061-A906-8575043315EE}" type="datetimeFigureOut">
               <a:rPr lang="zh-CN" altLang="en-US" smtClean="0"/>
-              <a:t>2023/5/8</a:t>
+              <a:t>2023/5/27</a:t>
             </a:fld>
             <a:endParaRPr lang="zh-CN" altLang="en-US"/>
           </a:p>
@@ -9317,7 +9290,7 @@
           <a:p>
             <a:fld id="{F721228B-0167-4061-A906-8575043315EE}" type="datetimeFigureOut">
               <a:rPr lang="zh-CN" altLang="en-US" smtClean="0"/>
-              <a:t>2023/5/8</a:t>
+              <a:t>2023/5/27</a:t>
             </a:fld>
             <a:endParaRPr lang="zh-CN" altLang="en-US"/>
           </a:p>
@@ -9790,7 +9763,7 @@
           <a:p>
             <a:fld id="{F721228B-0167-4061-A906-8575043315EE}" type="datetimeFigureOut">
               <a:rPr lang="zh-CN" altLang="en-US" smtClean="0"/>
-              <a:t>2023/5/8</a:t>
+              <a:t>2023/5/27</a:t>
             </a:fld>
             <a:endParaRPr lang="zh-CN" altLang="en-US"/>
           </a:p>
@@ -9943,7 +9916,7 @@
           <a:p>
             <a:fld id="{F721228B-0167-4061-A906-8575043315EE}" type="datetimeFigureOut">
               <a:rPr lang="zh-CN" altLang="en-US" smtClean="0"/>
-              <a:t>2023/5/8</a:t>
+              <a:t>2023/5/27</a:t>
             </a:fld>
             <a:endParaRPr lang="zh-CN" altLang="en-US"/>
           </a:p>
@@ -10068,7 +10041,7 @@
           <a:p>
             <a:fld id="{F721228B-0167-4061-A906-8575043315EE}" type="datetimeFigureOut">
               <a:rPr lang="zh-CN" altLang="en-US" smtClean="0"/>
-              <a:t>2023/5/8</a:t>
+              <a:t>2023/5/27</a:t>
             </a:fld>
             <a:endParaRPr lang="zh-CN" altLang="en-US"/>
           </a:p>
@@ -10391,7 +10364,7 @@
           <a:p>
             <a:fld id="{F721228B-0167-4061-A906-8575043315EE}" type="datetimeFigureOut">
               <a:rPr lang="zh-CN" altLang="en-US" smtClean="0"/>
-              <a:t>2023/5/8</a:t>
+              <a:t>2023/5/27</a:t>
             </a:fld>
             <a:endParaRPr lang="zh-CN" altLang="en-US"/>
           </a:p>
@@ -10691,7 +10664,7 @@
           <a:p>
             <a:fld id="{F721228B-0167-4061-A906-8575043315EE}" type="datetimeFigureOut">
               <a:rPr lang="zh-CN" altLang="en-US" smtClean="0"/>
-              <a:t>2023/5/8</a:t>
+              <a:t>2023/5/27</a:t>
             </a:fld>
             <a:endParaRPr lang="zh-CN" altLang="en-US"/>
           </a:p>
@@ -10944,7 +10917,7 @@
           <a:p>
             <a:fld id="{F721228B-0167-4061-A906-8575043315EE}" type="datetimeFigureOut">
               <a:rPr lang="zh-CN" altLang="en-US" smtClean="0"/>
-              <a:t>2023/5/8</a:t>
+              <a:t>2023/5/27</a:t>
             </a:fld>
             <a:endParaRPr lang="zh-CN" altLang="en-US"/>
           </a:p>
@@ -11382,36 +11355,6 @@
           <a:chExt cx="0" cy="0"/>
         </a:xfrm>
       </p:grpSpPr>
-      <p:sp>
-        <p:nvSpPr>
-          <p:cNvPr id="2" name="Rectangle 16">
-            <a:extLst>
-              <a:ext uri="{FF2B5EF4-FFF2-40B4-BE49-F238E27FC236}">
-                <a16:creationId xmlns:a16="http://schemas.microsoft.com/office/drawing/2014/main" id="{51B8E4C0-E15B-4BD0-7B5B-A44A3D5B0C34}"/>
-              </a:ext>
-            </a:extLst>
-          </p:cNvPr>
-          <p:cNvSpPr>
-            <a:spLocks noGrp="1" noChangeArrowheads="1"/>
-          </p:cNvSpPr>
-          <p:nvPr>
-            <p:ph type="sldNum" sz="quarter" idx="4"/>
-          </p:nvPr>
-        </p:nvSpPr>
-        <p:spPr/>
-        <p:txBody>
-          <a:bodyPr/>
-          <a:lstStyle/>
-          <a:p>
-            <a:fld id="{142851DF-B74D-4AE2-884A-1FB97A3CB7E1}" type="slidenum">
-              <a:rPr lang="en-US" altLang="zh-CN"/>
-              <a:pPr/>
-              <a:t>1</a:t>
-            </a:fld>
-            <a:endParaRPr lang="en-US" altLang="zh-CN" dirty="0"/>
-          </a:p>
-        </p:txBody>
-      </p:sp>
       <p:sp>
         <p:nvSpPr>
           <p:cNvPr id="1227783" name="Rectangle 7">
@@ -28014,7 +27957,7 @@
           <a:lstStyle/>
           <a:p>
             <a:r>
-              <a:rPr lang="zh-CN" altLang="en-US" sz="2400" b="1">
+              <a:rPr lang="zh-CN" altLang="en-US" sz="2400" b="1" dirty="0">
                 <a:solidFill>
                   <a:srgbClr val="333333"/>
                 </a:solidFill>
@@ -28026,42 +27969,46 @@
               </a:rPr>
               <a:t>运行结果</a:t>
             </a:r>
-            <a:endParaRPr lang="en-US" altLang="zh-CN" sz="2400" b="1">
+            <a:endParaRPr lang="en-US" altLang="zh-CN" sz="2400" dirty="0">
               <a:solidFill>
                 <a:srgbClr val="333333"/>
               </a:solidFill>
-              <a:highlight>
-                <a:srgbClr val="C0C0C0"/>
-              </a:highlight>
               <a:latin typeface="Consolas" panose="020B0609020204030204" pitchFamily="49" charset="0"/>
               <a:ea typeface="微软雅黑" panose="020B0503020204020204" pitchFamily="34" charset="-122"/>
             </a:endParaRPr>
           </a:p>
           <a:p>
-            <a:r>
-              <a:rPr lang="en-US" altLang="zh-CN" sz="2400">
+            <a:pPr lvl="0"/>
+            <a:r>
+              <a:rPr lang="en-US" altLang="zh-CN" sz="2400" dirty="0">
                 <a:solidFill>
                   <a:srgbClr val="333333"/>
                 </a:solidFill>
                 <a:latin typeface="Consolas" panose="020B0609020204030204" pitchFamily="49" charset="0"/>
                 <a:ea typeface="微软雅黑" panose="020B0503020204020204" pitchFamily="34" charset="-122"/>
               </a:rPr>
+              <a:t>False</a:t>
+            </a:r>
+            <a:endParaRPr lang="pl-PL" altLang="zh-CN" sz="2400" dirty="0">
+              <a:solidFill>
+                <a:srgbClr val="333333"/>
+              </a:solidFill>
+              <a:latin typeface="Consolas" panose="020B0609020204030204" pitchFamily="49" charset="0"/>
+              <a:ea typeface="微软雅黑" panose="020B0503020204020204" pitchFamily="34" charset="-122"/>
+            </a:endParaRPr>
+          </a:p>
+          <a:p>
+            <a:r>
+              <a:rPr lang="en-US" altLang="zh-CN" sz="2400" dirty="0">
+                <a:solidFill>
+                  <a:srgbClr val="333333"/>
+                </a:solidFill>
+                <a:latin typeface="Consolas" panose="020B0609020204030204" pitchFamily="49" charset="0"/>
+                <a:ea typeface="微软雅黑" panose="020B0503020204020204" pitchFamily="34" charset="-122"/>
+              </a:rPr>
               <a:t>True</a:t>
             </a:r>
-          </a:p>
-          <a:p>
-            <a:r>
-              <a:rPr lang="en-US" altLang="zh-CN" sz="2400">
-                <a:solidFill>
-                  <a:srgbClr val="333333"/>
-                </a:solidFill>
-                <a:effectLst/>
-                <a:latin typeface="Consolas" panose="020B0609020204030204" pitchFamily="49" charset="0"/>
-                <a:ea typeface="微软雅黑" panose="020B0503020204020204" pitchFamily="34" charset="-122"/>
-              </a:rPr>
-              <a:t>False</a:t>
-            </a:r>
-            <a:endParaRPr lang="pl-PL" altLang="zh-CN" sz="2400">
+            <a:endParaRPr lang="pl-PL" altLang="zh-CN" sz="2400" dirty="0">
               <a:solidFill>
                 <a:srgbClr val="333333"/>
               </a:solidFill>
@@ -28856,7 +28803,7 @@
           <a:lstStyle/>
           <a:p>
             <a:r>
-              <a:rPr lang="zh-CN" altLang="en-US" sz="2400" b="1">
+              <a:rPr lang="zh-CN" altLang="en-US" sz="2400" b="1" dirty="0">
                 <a:solidFill>
                   <a:srgbClr val="333333"/>
                 </a:solidFill>
@@ -28868,7 +28815,7 @@
               </a:rPr>
               <a:t>运行结果</a:t>
             </a:r>
-            <a:endParaRPr lang="en-US" altLang="zh-CN" sz="2400" b="1">
+            <a:endParaRPr lang="en-US" altLang="zh-CN" sz="2400" b="1" dirty="0">
               <a:solidFill>
                 <a:srgbClr val="333333"/>
               </a:solidFill>
@@ -28880,37 +28827,36 @@
             </a:endParaRPr>
           </a:p>
           <a:p>
-            <a:r>
-              <a:rPr lang="en-US" altLang="zh-CN" sz="2400">
+            <a:pPr lvl="0"/>
+            <a:r>
+              <a:rPr lang="en-US" altLang="zh-CN" sz="2400" dirty="0">
                 <a:solidFill>
                   <a:srgbClr val="333333"/>
                 </a:solidFill>
                 <a:latin typeface="Consolas" panose="020B0609020204030204" pitchFamily="49" charset="0"/>
                 <a:ea typeface="微软雅黑" panose="020B0503020204020204" pitchFamily="34" charset="-122"/>
               </a:rPr>
-              <a:t>False</a:t>
-            </a:r>
-          </a:p>
-          <a:p>
-            <a:r>
-              <a:rPr lang="en-US" altLang="zh-CN" sz="2400">
-                <a:solidFill>
-                  <a:srgbClr val="333333"/>
-                </a:solidFill>
-                <a:effectLst/>
-                <a:latin typeface="Consolas" panose="020B0609020204030204" pitchFamily="49" charset="0"/>
-                <a:ea typeface="微软雅黑" panose="020B0503020204020204" pitchFamily="34" charset="-122"/>
-              </a:rPr>
               <a:t>True</a:t>
             </a:r>
-            <a:endParaRPr lang="pl-PL" altLang="zh-CN" sz="2400">
+            <a:endParaRPr lang="pl-PL" altLang="zh-CN" sz="2400" dirty="0">
               <a:solidFill>
                 <a:srgbClr val="333333"/>
               </a:solidFill>
-              <a:effectLst/>
               <a:latin typeface="Consolas" panose="020B0609020204030204" pitchFamily="49" charset="0"/>
               <a:ea typeface="微软雅黑" panose="020B0503020204020204" pitchFamily="34" charset="-122"/>
             </a:endParaRPr>
+          </a:p>
+          <a:p>
+            <a:r>
+              <a:rPr lang="en-US" altLang="zh-CN" sz="2400" dirty="0">
+                <a:solidFill>
+                  <a:srgbClr val="333333"/>
+                </a:solidFill>
+                <a:latin typeface="Consolas" panose="020B0609020204030204" pitchFamily="49" charset="0"/>
+                <a:ea typeface="微软雅黑" panose="020B0503020204020204" pitchFamily="34" charset="-122"/>
+              </a:rPr>
+              <a:t>False</a:t>
+            </a:r>
           </a:p>
         </p:txBody>
       </p:sp>

--- a/PPT/python5.pptx
+++ b/PPT/python5.pptx
@@ -161,7 +161,7 @@
   <pc:docChgLst>
     <pc:chgData name="Scruel Tao" userId="5ea5c98d59b44d4b" providerId="LiveId" clId="{A4B67D7D-BC74-4496-B91F-814518757E7E}"/>
     <pc:docChg chg="undo redo custSel addSld delSld modSld sldOrd modMainMaster">
-      <pc:chgData name="Scruel Tao" userId="5ea5c98d59b44d4b" providerId="LiveId" clId="{A4B67D7D-BC74-4496-B91F-814518757E7E}" dt="2023-05-27T02:40:08.731" v="5414"/>
+      <pc:chgData name="Scruel Tao" userId="5ea5c98d59b44d4b" providerId="LiveId" clId="{A4B67D7D-BC74-4496-B91F-814518757E7E}" dt="2023-05-27T04:11:03.754" v="5417" actId="1037"/>
       <pc:docMkLst>
         <pc:docMk/>
       </pc:docMkLst>
@@ -1593,7 +1593,7 @@
         </pc:sldMkLst>
       </pc:sldChg>
       <pc:sldChg chg="addSp delSp modSp add mod ord modTransition modAnim">
-        <pc:chgData name="Scruel Tao" userId="5ea5c98d59b44d4b" providerId="LiveId" clId="{A4B67D7D-BC74-4496-B91F-814518757E7E}" dt="2023-05-06T03:09:49.603" v="5062" actId="1035"/>
+        <pc:chgData name="Scruel Tao" userId="5ea5c98d59b44d4b" providerId="LiveId" clId="{A4B67D7D-BC74-4496-B91F-814518757E7E}" dt="2023-05-27T04:11:03.754" v="5417" actId="1037"/>
         <pc:sldMkLst>
           <pc:docMk/>
           <pc:sldMk cId="1640437992" sldId="308"/>
@@ -1655,7 +1655,7 @@
           </ac:spMkLst>
         </pc:spChg>
         <pc:picChg chg="mod">
-          <ac:chgData name="Scruel Tao" userId="5ea5c98d59b44d4b" providerId="LiveId" clId="{A4B67D7D-BC74-4496-B91F-814518757E7E}" dt="2023-05-06T03:09:49.603" v="5062" actId="1035"/>
+          <ac:chgData name="Scruel Tao" userId="5ea5c98d59b44d4b" providerId="LiveId" clId="{A4B67D7D-BC74-4496-B91F-814518757E7E}" dt="2023-05-27T04:11:03.754" v="5417" actId="1037"/>
           <ac:picMkLst>
             <pc:docMk/>
             <pc:sldMk cId="1640437992" sldId="308"/>
@@ -25980,7 +25980,7 @@
         </p:blipFill>
         <p:spPr>
           <a:xfrm>
-            <a:off x="1164788" y="3294121"/>
+            <a:off x="1143188" y="3294121"/>
             <a:ext cx="2395538" cy="2300288"/>
           </a:xfrm>
           <a:prstGeom prst="rect">

--- a/PPT/python5.pptx
+++ b/PPT/python5.pptx
@@ -161,7 +161,7 @@
   <pc:docChgLst>
     <pc:chgData name="Scruel Tao" userId="5ea5c98d59b44d4b" providerId="LiveId" clId="{A4B67D7D-BC74-4496-B91F-814518757E7E}"/>
     <pc:docChg chg="undo redo custSel addSld delSld modSld sldOrd modMainMaster">
-      <pc:chgData name="Scruel Tao" userId="5ea5c98d59b44d4b" providerId="LiveId" clId="{A4B67D7D-BC74-4496-B91F-814518757E7E}" dt="2023-05-27T04:11:03.754" v="5417" actId="1037"/>
+      <pc:chgData name="Scruel Tao" userId="5ea5c98d59b44d4b" providerId="LiveId" clId="{A4B67D7D-BC74-4496-B91F-814518757E7E}" dt="2023-06-02T13:44:05.669" v="5418" actId="20577"/>
       <pc:docMkLst>
         <pc:docMk/>
       </pc:docMkLst>
@@ -196,7 +196,7 @@
         </pc:sldMkLst>
       </pc:sldChg>
       <pc:sldChg chg="addSp delSp modSp mod modTransition">
-        <pc:chgData name="Scruel Tao" userId="5ea5c98d59b44d4b" providerId="LiveId" clId="{A4B67D7D-BC74-4496-B91F-814518757E7E}" dt="2023-05-16T03:56:28.323" v="5402" actId="478"/>
+        <pc:chgData name="Scruel Tao" userId="5ea5c98d59b44d4b" providerId="LiveId" clId="{A4B67D7D-BC74-4496-B91F-814518757E7E}" dt="2023-06-02T13:44:05.669" v="5418" actId="20577"/>
         <pc:sldMkLst>
           <pc:docMk/>
           <pc:sldMk cId="0" sldId="260"/>
@@ -226,7 +226,7 @@
           </ac:spMkLst>
         </pc:spChg>
         <pc:spChg chg="mod">
-          <ac:chgData name="Scruel Tao" userId="5ea5c98d59b44d4b" providerId="LiveId" clId="{A4B67D7D-BC74-4496-B91F-814518757E7E}" dt="2023-04-29T18:30:14.345" v="3308"/>
+          <ac:chgData name="Scruel Tao" userId="5ea5c98d59b44d4b" providerId="LiveId" clId="{A4B67D7D-BC74-4496-B91F-814518757E7E}" dt="2023-06-02T13:44:05.669" v="5418" actId="20577"/>
           <ac:spMkLst>
             <pc:docMk/>
             <pc:sldMk cId="0" sldId="260"/>
@@ -4469,7 +4469,7 @@
           <a:p>
             <a:fld id="{AC7E1972-C479-4420-A687-8FB83BA90DEB}" type="datetimeFigureOut">
               <a:rPr lang="zh-CN" altLang="en-US" smtClean="0"/>
-              <a:t>2023/5/27</a:t>
+              <a:t>2023/6/2</a:t>
             </a:fld>
             <a:endParaRPr lang="zh-CN" altLang="en-US"/>
           </a:p>
@@ -4646,7 +4646,7 @@
           <a:p>
             <a:fld id="{89B7AB8D-BCC0-43C6-B24C-055A25DB558F}" type="datetimeFigureOut">
               <a:rPr lang="zh-CN" altLang="en-US" smtClean="0"/>
-              <a:t>2023/5/27</a:t>
+              <a:t>2023/6/2</a:t>
             </a:fld>
             <a:endParaRPr lang="zh-CN" altLang="en-US"/>
           </a:p>
@@ -7669,7 +7669,7 @@
           <a:p>
             <a:fld id="{F721228B-0167-4061-A906-8575043315EE}" type="datetimeFigureOut">
               <a:rPr lang="zh-CN" altLang="en-US" smtClean="0"/>
-              <a:t>2023/5/27</a:t>
+              <a:t>2023/6/2</a:t>
             </a:fld>
             <a:endParaRPr lang="zh-CN" altLang="en-US"/>
           </a:p>
@@ -7879,7 +7879,7 @@
           <a:p>
             <a:fld id="{F721228B-0167-4061-A906-8575043315EE}" type="datetimeFigureOut">
               <a:rPr lang="zh-CN" altLang="en-US" smtClean="0"/>
-              <a:t>2023/5/27</a:t>
+              <a:t>2023/6/2</a:t>
             </a:fld>
             <a:endParaRPr lang="zh-CN" altLang="en-US"/>
           </a:p>
@@ -8099,7 +8099,7 @@
           <a:p>
             <a:fld id="{F721228B-0167-4061-A906-8575043315EE}" type="datetimeFigureOut">
               <a:rPr lang="zh-CN" altLang="en-US" smtClean="0"/>
-              <a:t>2023/5/27</a:t>
+              <a:t>2023/6/2</a:t>
             </a:fld>
             <a:endParaRPr lang="zh-CN" altLang="en-US"/>
           </a:p>
@@ -8596,7 +8596,7 @@
           <a:p>
             <a:fld id="{F721228B-0167-4061-A906-8575043315EE}" type="datetimeFigureOut">
               <a:rPr lang="zh-CN" altLang="en-US" smtClean="0"/>
-              <a:t>2023/5/27</a:t>
+              <a:t>2023/6/2</a:t>
             </a:fld>
             <a:endParaRPr lang="zh-CN" altLang="en-US"/>
           </a:p>
@@ -8932,7 +8932,7 @@
           <a:p>
             <a:fld id="{F721228B-0167-4061-A906-8575043315EE}" type="datetimeFigureOut">
               <a:rPr lang="zh-CN" altLang="en-US" smtClean="0"/>
-              <a:t>2023/5/27</a:t>
+              <a:t>2023/6/2</a:t>
             </a:fld>
             <a:endParaRPr lang="zh-CN" altLang="en-US"/>
           </a:p>
@@ -9290,7 +9290,7 @@
           <a:p>
             <a:fld id="{F721228B-0167-4061-A906-8575043315EE}" type="datetimeFigureOut">
               <a:rPr lang="zh-CN" altLang="en-US" smtClean="0"/>
-              <a:t>2023/5/27</a:t>
+              <a:t>2023/6/2</a:t>
             </a:fld>
             <a:endParaRPr lang="zh-CN" altLang="en-US"/>
           </a:p>
@@ -9763,7 +9763,7 @@
           <a:p>
             <a:fld id="{F721228B-0167-4061-A906-8575043315EE}" type="datetimeFigureOut">
               <a:rPr lang="zh-CN" altLang="en-US" smtClean="0"/>
-              <a:t>2023/5/27</a:t>
+              <a:t>2023/6/2</a:t>
             </a:fld>
             <a:endParaRPr lang="zh-CN" altLang="en-US"/>
           </a:p>
@@ -9916,7 +9916,7 @@
           <a:p>
             <a:fld id="{F721228B-0167-4061-A906-8575043315EE}" type="datetimeFigureOut">
               <a:rPr lang="zh-CN" altLang="en-US" smtClean="0"/>
-              <a:t>2023/5/27</a:t>
+              <a:t>2023/6/2</a:t>
             </a:fld>
             <a:endParaRPr lang="zh-CN" altLang="en-US"/>
           </a:p>
@@ -10041,7 +10041,7 @@
           <a:p>
             <a:fld id="{F721228B-0167-4061-A906-8575043315EE}" type="datetimeFigureOut">
               <a:rPr lang="zh-CN" altLang="en-US" smtClean="0"/>
-              <a:t>2023/5/27</a:t>
+              <a:t>2023/6/2</a:t>
             </a:fld>
             <a:endParaRPr lang="zh-CN" altLang="en-US"/>
           </a:p>
@@ -10364,7 +10364,7 @@
           <a:p>
             <a:fld id="{F721228B-0167-4061-A906-8575043315EE}" type="datetimeFigureOut">
               <a:rPr lang="zh-CN" altLang="en-US" smtClean="0"/>
-              <a:t>2023/5/27</a:t>
+              <a:t>2023/6/2</a:t>
             </a:fld>
             <a:endParaRPr lang="zh-CN" altLang="en-US"/>
           </a:p>
@@ -10664,7 +10664,7 @@
           <a:p>
             <a:fld id="{F721228B-0167-4061-A906-8575043315EE}" type="datetimeFigureOut">
               <a:rPr lang="zh-CN" altLang="en-US" smtClean="0"/>
-              <a:t>2023/5/27</a:t>
+              <a:t>2023/6/2</a:t>
             </a:fld>
             <a:endParaRPr lang="zh-CN" altLang="en-US"/>
           </a:p>
@@ -10917,7 +10917,7 @@
           <a:p>
             <a:fld id="{F721228B-0167-4061-A906-8575043315EE}" type="datetimeFigureOut">
               <a:rPr lang="zh-CN" altLang="en-US" smtClean="0"/>
-              <a:t>2023/5/27</a:t>
+              <a:t>2023/6/2</a:t>
             </a:fld>
             <a:endParaRPr lang="zh-CN" altLang="en-US"/>
           </a:p>
@@ -11386,7 +11386,7 @@
           <a:p>
             <a:pPr algn="ctr"/>
             <a:r>
-              <a:rPr lang="en-US" altLang="zh-CN" dirty="0">
+              <a:rPr lang="en-US" altLang="zh-CN">
                 <a:solidFill>
                   <a:schemeClr val="tx1">
                     <a:lumMod val="95000"/>
@@ -11403,7 +11403,7 @@
                 <a:latin typeface="华文琥珀" panose="02010800040101010101" pitchFamily="2" charset="-122"/>
                 <a:ea typeface="华文琥珀" panose="02010800040101010101" pitchFamily="2" charset="-122"/>
               </a:rPr>
-              <a:t>Python</a:t>
+              <a:t>Python </a:t>
             </a:r>
             <a:r>
               <a:rPr lang="zh-CN" altLang="en-US">
@@ -11445,7 +11445,7 @@
               </a:rPr>
             </a:br>
             <a:r>
-              <a:rPr lang="zh-CN" altLang="en-US">
+              <a:rPr lang="zh-CN" altLang="en-US" dirty="0">
                 <a:solidFill>
                   <a:schemeClr val="tx1">
                     <a:lumMod val="95000"/>
